--- a/ppt 16-9/0665.心灵改变.pptx
+++ b/ppt 16-9/0665.心灵改变.pptx
@@ -129,7 +129,7 @@
           <p:cNvPr id="2" name="标题 1">
             <a:extLst>
               <a:ext uri="{FF2B5EF4-FFF2-40B4-BE49-F238E27FC236}">
-                <a16:creationId xmlns:a16="http://schemas.microsoft.com/office/drawing/2014/main" id="{397A312F-E971-50C6-E2BD-9EF4CF399321}"/>
+                <a16:creationId xmlns:a16="http://schemas.microsoft.com/office/drawing/2014/main" id="{D2C9297B-FE4B-469F-1959-2368A3556D07}"/>
               </a:ext>
             </a:extLst>
           </p:cNvPr>
@@ -166,7 +166,7 @@
           <p:cNvPr id="3" name="副标题 2">
             <a:extLst>
               <a:ext uri="{FF2B5EF4-FFF2-40B4-BE49-F238E27FC236}">
-                <a16:creationId xmlns:a16="http://schemas.microsoft.com/office/drawing/2014/main" id="{49F14C80-15E3-E5D8-049F-D42B07B1ABB4}"/>
+                <a16:creationId xmlns:a16="http://schemas.microsoft.com/office/drawing/2014/main" id="{05A2C997-8EDC-EF5E-FE08-C6254E44DD65}"/>
               </a:ext>
             </a:extLst>
           </p:cNvPr>
@@ -236,7 +236,7 @@
           <p:cNvPr id="4" name="日期占位符 3">
             <a:extLst>
               <a:ext uri="{FF2B5EF4-FFF2-40B4-BE49-F238E27FC236}">
-                <a16:creationId xmlns:a16="http://schemas.microsoft.com/office/drawing/2014/main" id="{BB93DD62-CF03-5DA3-BF6D-CEA78DA022EA}"/>
+                <a16:creationId xmlns:a16="http://schemas.microsoft.com/office/drawing/2014/main" id="{A4903972-5077-127E-5C66-C54FE6224BB2}"/>
               </a:ext>
             </a:extLst>
           </p:cNvPr>
@@ -252,7 +252,7 @@
           <a:bodyPr/>
           <a:lstStyle/>
           <a:p>
-            <a:fld id="{D86DA02B-3E6D-45FA-B548-4AC798137B5B}" type="datetimeFigureOut">
+            <a:fld id="{AA10F524-0F1B-4C35-BBDD-BBB715296BCF}" type="datetimeFigureOut">
               <a:rPr lang="zh-CN" altLang="en-US" smtClean="0"/>
               <a:t>2024/3/10</a:t>
             </a:fld>
@@ -265,7 +265,7 @@
           <p:cNvPr id="5" name="页脚占位符 4">
             <a:extLst>
               <a:ext uri="{FF2B5EF4-FFF2-40B4-BE49-F238E27FC236}">
-                <a16:creationId xmlns:a16="http://schemas.microsoft.com/office/drawing/2014/main" id="{EF95740F-D88D-3CF6-F899-56D949A78CF9}"/>
+                <a16:creationId xmlns:a16="http://schemas.microsoft.com/office/drawing/2014/main" id="{1E89650B-B32B-FF17-26AB-2E0E4BD986B0}"/>
               </a:ext>
             </a:extLst>
           </p:cNvPr>
@@ -290,7 +290,7 @@
           <p:cNvPr id="6" name="灯片编号占位符 5">
             <a:extLst>
               <a:ext uri="{FF2B5EF4-FFF2-40B4-BE49-F238E27FC236}">
-                <a16:creationId xmlns:a16="http://schemas.microsoft.com/office/drawing/2014/main" id="{CF32032E-110B-A66F-1352-7EEE50385E70}"/>
+                <a16:creationId xmlns:a16="http://schemas.microsoft.com/office/drawing/2014/main" id="{A745DF71-3988-5774-33FB-48CCF83266D5}"/>
               </a:ext>
             </a:extLst>
           </p:cNvPr>
@@ -306,7 +306,7 @@
           <a:bodyPr/>
           <a:lstStyle/>
           <a:p>
-            <a:fld id="{F629E66B-0B5F-4BB8-9780-5793A65BD94B}" type="slidenum">
+            <a:fld id="{947801F6-E625-4005-BB54-00FDB2338582}" type="slidenum">
               <a:rPr lang="zh-CN" altLang="en-US" smtClean="0"/>
               <a:t>‹#›</a:t>
             </a:fld>
@@ -317,7 +317,7 @@
     </p:spTree>
     <p:extLst>
       <p:ext uri="{BB962C8B-B14F-4D97-AF65-F5344CB8AC3E}">
-        <p14:creationId xmlns:p14="http://schemas.microsoft.com/office/powerpoint/2010/main" val="181620732"/>
+        <p14:creationId xmlns:p14="http://schemas.microsoft.com/office/powerpoint/2010/main" val="1435551732"/>
       </p:ext>
     </p:extLst>
   </p:cSld>
@@ -349,7 +349,7 @@
           <p:cNvPr id="2" name="标题 1">
             <a:extLst>
               <a:ext uri="{FF2B5EF4-FFF2-40B4-BE49-F238E27FC236}">
-                <a16:creationId xmlns:a16="http://schemas.microsoft.com/office/drawing/2014/main" id="{33C94A9D-51AA-067D-82BE-A777749A8C00}"/>
+                <a16:creationId xmlns:a16="http://schemas.microsoft.com/office/drawing/2014/main" id="{219F1612-1188-E485-E72E-675B3A260460}"/>
               </a:ext>
             </a:extLst>
           </p:cNvPr>
@@ -377,7 +377,7 @@
           <p:cNvPr id="3" name="竖排文字占位符 2">
             <a:extLst>
               <a:ext uri="{FF2B5EF4-FFF2-40B4-BE49-F238E27FC236}">
-                <a16:creationId xmlns:a16="http://schemas.microsoft.com/office/drawing/2014/main" id="{AA130904-418E-B478-BBAF-9B4B15C6B513}"/>
+                <a16:creationId xmlns:a16="http://schemas.microsoft.com/office/drawing/2014/main" id="{CDA97C05-4EBD-7E06-CA58-A804810A700F}"/>
               </a:ext>
             </a:extLst>
           </p:cNvPr>
@@ -434,7 +434,7 @@
           <p:cNvPr id="4" name="日期占位符 3">
             <a:extLst>
               <a:ext uri="{FF2B5EF4-FFF2-40B4-BE49-F238E27FC236}">
-                <a16:creationId xmlns:a16="http://schemas.microsoft.com/office/drawing/2014/main" id="{9876D0E8-D9DD-230D-394A-F74809B32F48}"/>
+                <a16:creationId xmlns:a16="http://schemas.microsoft.com/office/drawing/2014/main" id="{C9F5F7C9-48BC-860C-1ED5-E231BC8FB228}"/>
               </a:ext>
             </a:extLst>
           </p:cNvPr>
@@ -450,7 +450,7 @@
           <a:bodyPr/>
           <a:lstStyle/>
           <a:p>
-            <a:fld id="{D86DA02B-3E6D-45FA-B548-4AC798137B5B}" type="datetimeFigureOut">
+            <a:fld id="{AA10F524-0F1B-4C35-BBDD-BBB715296BCF}" type="datetimeFigureOut">
               <a:rPr lang="zh-CN" altLang="en-US" smtClean="0"/>
               <a:t>2024/3/10</a:t>
             </a:fld>
@@ -463,7 +463,7 @@
           <p:cNvPr id="5" name="页脚占位符 4">
             <a:extLst>
               <a:ext uri="{FF2B5EF4-FFF2-40B4-BE49-F238E27FC236}">
-                <a16:creationId xmlns:a16="http://schemas.microsoft.com/office/drawing/2014/main" id="{EA7D52EF-566C-AB71-8CE1-F4450051B2D8}"/>
+                <a16:creationId xmlns:a16="http://schemas.microsoft.com/office/drawing/2014/main" id="{D5DED293-5BC2-4D58-7587-AB6282327C62}"/>
               </a:ext>
             </a:extLst>
           </p:cNvPr>
@@ -488,7 +488,7 @@
           <p:cNvPr id="6" name="灯片编号占位符 5">
             <a:extLst>
               <a:ext uri="{FF2B5EF4-FFF2-40B4-BE49-F238E27FC236}">
-                <a16:creationId xmlns:a16="http://schemas.microsoft.com/office/drawing/2014/main" id="{446F5396-4F3C-9D35-9947-960E0CD196A0}"/>
+                <a16:creationId xmlns:a16="http://schemas.microsoft.com/office/drawing/2014/main" id="{F1AB5442-6322-D4E4-1A93-64E594F4FE5F}"/>
               </a:ext>
             </a:extLst>
           </p:cNvPr>
@@ -504,7 +504,7 @@
           <a:bodyPr/>
           <a:lstStyle/>
           <a:p>
-            <a:fld id="{F629E66B-0B5F-4BB8-9780-5793A65BD94B}" type="slidenum">
+            <a:fld id="{947801F6-E625-4005-BB54-00FDB2338582}" type="slidenum">
               <a:rPr lang="zh-CN" altLang="en-US" smtClean="0"/>
               <a:t>‹#›</a:t>
             </a:fld>
@@ -515,7 +515,7 @@
     </p:spTree>
     <p:extLst>
       <p:ext uri="{BB962C8B-B14F-4D97-AF65-F5344CB8AC3E}">
-        <p14:creationId xmlns:p14="http://schemas.microsoft.com/office/powerpoint/2010/main" val="3238047056"/>
+        <p14:creationId xmlns:p14="http://schemas.microsoft.com/office/powerpoint/2010/main" val="1399312873"/>
       </p:ext>
     </p:extLst>
   </p:cSld>
@@ -547,7 +547,7 @@
           <p:cNvPr id="2" name="竖排标题 1">
             <a:extLst>
               <a:ext uri="{FF2B5EF4-FFF2-40B4-BE49-F238E27FC236}">
-                <a16:creationId xmlns:a16="http://schemas.microsoft.com/office/drawing/2014/main" id="{E561C712-9381-EA64-7F6B-EFD75CA212B7}"/>
+                <a16:creationId xmlns:a16="http://schemas.microsoft.com/office/drawing/2014/main" id="{9084840D-5B2A-8C17-BA22-B31BEA7DD24A}"/>
               </a:ext>
             </a:extLst>
           </p:cNvPr>
@@ -580,7 +580,7 @@
           <p:cNvPr id="3" name="竖排文字占位符 2">
             <a:extLst>
               <a:ext uri="{FF2B5EF4-FFF2-40B4-BE49-F238E27FC236}">
-                <a16:creationId xmlns:a16="http://schemas.microsoft.com/office/drawing/2014/main" id="{8A109E86-AD46-A917-4062-61A3A944B704}"/>
+                <a16:creationId xmlns:a16="http://schemas.microsoft.com/office/drawing/2014/main" id="{A25C94AA-7045-ABA9-5A39-55AD42525852}"/>
               </a:ext>
             </a:extLst>
           </p:cNvPr>
@@ -642,7 +642,7 @@
           <p:cNvPr id="4" name="日期占位符 3">
             <a:extLst>
               <a:ext uri="{FF2B5EF4-FFF2-40B4-BE49-F238E27FC236}">
-                <a16:creationId xmlns:a16="http://schemas.microsoft.com/office/drawing/2014/main" id="{5750F866-EC47-B48A-E951-2CDBD1024114}"/>
+                <a16:creationId xmlns:a16="http://schemas.microsoft.com/office/drawing/2014/main" id="{1ADF08DD-DD7D-6AE7-8AE9-AF3BCACD1474}"/>
               </a:ext>
             </a:extLst>
           </p:cNvPr>
@@ -658,7 +658,7 @@
           <a:bodyPr/>
           <a:lstStyle/>
           <a:p>
-            <a:fld id="{D86DA02B-3E6D-45FA-B548-4AC798137B5B}" type="datetimeFigureOut">
+            <a:fld id="{AA10F524-0F1B-4C35-BBDD-BBB715296BCF}" type="datetimeFigureOut">
               <a:rPr lang="zh-CN" altLang="en-US" smtClean="0"/>
               <a:t>2024/3/10</a:t>
             </a:fld>
@@ -671,7 +671,7 @@
           <p:cNvPr id="5" name="页脚占位符 4">
             <a:extLst>
               <a:ext uri="{FF2B5EF4-FFF2-40B4-BE49-F238E27FC236}">
-                <a16:creationId xmlns:a16="http://schemas.microsoft.com/office/drawing/2014/main" id="{7619F0E5-4E63-A268-490E-BDD89B84349D}"/>
+                <a16:creationId xmlns:a16="http://schemas.microsoft.com/office/drawing/2014/main" id="{B0884ED3-8F03-B47D-7149-4D3F8D3F075A}"/>
               </a:ext>
             </a:extLst>
           </p:cNvPr>
@@ -696,7 +696,7 @@
           <p:cNvPr id="6" name="灯片编号占位符 5">
             <a:extLst>
               <a:ext uri="{FF2B5EF4-FFF2-40B4-BE49-F238E27FC236}">
-                <a16:creationId xmlns:a16="http://schemas.microsoft.com/office/drawing/2014/main" id="{28DACFDD-C03B-4AA1-803A-67B7F5531EB1}"/>
+                <a16:creationId xmlns:a16="http://schemas.microsoft.com/office/drawing/2014/main" id="{4697AF30-1178-37C6-95E5-765A1034801E}"/>
               </a:ext>
             </a:extLst>
           </p:cNvPr>
@@ -712,7 +712,7 @@
           <a:bodyPr/>
           <a:lstStyle/>
           <a:p>
-            <a:fld id="{F629E66B-0B5F-4BB8-9780-5793A65BD94B}" type="slidenum">
+            <a:fld id="{947801F6-E625-4005-BB54-00FDB2338582}" type="slidenum">
               <a:rPr lang="zh-CN" altLang="en-US" smtClean="0"/>
               <a:t>‹#›</a:t>
             </a:fld>
@@ -723,7 +723,7 @@
     </p:spTree>
     <p:extLst>
       <p:ext uri="{BB962C8B-B14F-4D97-AF65-F5344CB8AC3E}">
-        <p14:creationId xmlns:p14="http://schemas.microsoft.com/office/powerpoint/2010/main" val="227799351"/>
+        <p14:creationId xmlns:p14="http://schemas.microsoft.com/office/powerpoint/2010/main" val="4025682991"/>
       </p:ext>
     </p:extLst>
   </p:cSld>
@@ -755,7 +755,7 @@
           <p:cNvPr id="2" name="标题 1">
             <a:extLst>
               <a:ext uri="{FF2B5EF4-FFF2-40B4-BE49-F238E27FC236}">
-                <a16:creationId xmlns:a16="http://schemas.microsoft.com/office/drawing/2014/main" id="{BA13755C-364B-D23E-6FBF-10BE0DC430B0}"/>
+                <a16:creationId xmlns:a16="http://schemas.microsoft.com/office/drawing/2014/main" id="{D3B95510-AE64-E276-6AB0-3D6D69E2FB0A}"/>
               </a:ext>
             </a:extLst>
           </p:cNvPr>
@@ -783,7 +783,7 @@
           <p:cNvPr id="3" name="内容占位符 2">
             <a:extLst>
               <a:ext uri="{FF2B5EF4-FFF2-40B4-BE49-F238E27FC236}">
-                <a16:creationId xmlns:a16="http://schemas.microsoft.com/office/drawing/2014/main" id="{D5014F4C-7E54-B7E5-0C4F-AFB7F17FCDA3}"/>
+                <a16:creationId xmlns:a16="http://schemas.microsoft.com/office/drawing/2014/main" id="{FB4E8F4A-CF38-439F-1858-BC6AA3742305}"/>
               </a:ext>
             </a:extLst>
           </p:cNvPr>
@@ -840,7 +840,7 @@
           <p:cNvPr id="4" name="日期占位符 3">
             <a:extLst>
               <a:ext uri="{FF2B5EF4-FFF2-40B4-BE49-F238E27FC236}">
-                <a16:creationId xmlns:a16="http://schemas.microsoft.com/office/drawing/2014/main" id="{1FA0D0A5-E6E8-1C75-C51D-5C62A7949B73}"/>
+                <a16:creationId xmlns:a16="http://schemas.microsoft.com/office/drawing/2014/main" id="{7E1842BF-7B7F-087C-5855-5709E2773DAD}"/>
               </a:ext>
             </a:extLst>
           </p:cNvPr>
@@ -856,7 +856,7 @@
           <a:bodyPr/>
           <a:lstStyle/>
           <a:p>
-            <a:fld id="{D86DA02B-3E6D-45FA-B548-4AC798137B5B}" type="datetimeFigureOut">
+            <a:fld id="{AA10F524-0F1B-4C35-BBDD-BBB715296BCF}" type="datetimeFigureOut">
               <a:rPr lang="zh-CN" altLang="en-US" smtClean="0"/>
               <a:t>2024/3/10</a:t>
             </a:fld>
@@ -869,7 +869,7 @@
           <p:cNvPr id="5" name="页脚占位符 4">
             <a:extLst>
               <a:ext uri="{FF2B5EF4-FFF2-40B4-BE49-F238E27FC236}">
-                <a16:creationId xmlns:a16="http://schemas.microsoft.com/office/drawing/2014/main" id="{23EA080C-4FA5-9FA4-02CB-272ECF3A86A6}"/>
+                <a16:creationId xmlns:a16="http://schemas.microsoft.com/office/drawing/2014/main" id="{EE7BFA7A-C1AB-375D-D9DD-FF1EE15B6752}"/>
               </a:ext>
             </a:extLst>
           </p:cNvPr>
@@ -894,7 +894,7 @@
           <p:cNvPr id="6" name="灯片编号占位符 5">
             <a:extLst>
               <a:ext uri="{FF2B5EF4-FFF2-40B4-BE49-F238E27FC236}">
-                <a16:creationId xmlns:a16="http://schemas.microsoft.com/office/drawing/2014/main" id="{DECC5738-5C2C-6D96-4668-3EBA136981E6}"/>
+                <a16:creationId xmlns:a16="http://schemas.microsoft.com/office/drawing/2014/main" id="{AB865359-E38C-089E-6166-596DA355C5AE}"/>
               </a:ext>
             </a:extLst>
           </p:cNvPr>
@@ -910,7 +910,7 @@
           <a:bodyPr/>
           <a:lstStyle/>
           <a:p>
-            <a:fld id="{F629E66B-0B5F-4BB8-9780-5793A65BD94B}" type="slidenum">
+            <a:fld id="{947801F6-E625-4005-BB54-00FDB2338582}" type="slidenum">
               <a:rPr lang="zh-CN" altLang="en-US" smtClean="0"/>
               <a:t>‹#›</a:t>
             </a:fld>
@@ -921,7 +921,7 @@
     </p:spTree>
     <p:extLst>
       <p:ext uri="{BB962C8B-B14F-4D97-AF65-F5344CB8AC3E}">
-        <p14:creationId xmlns:p14="http://schemas.microsoft.com/office/powerpoint/2010/main" val="135545938"/>
+        <p14:creationId xmlns:p14="http://schemas.microsoft.com/office/powerpoint/2010/main" val="2207629773"/>
       </p:ext>
     </p:extLst>
   </p:cSld>
@@ -953,7 +953,7 @@
           <p:cNvPr id="2" name="标题 1">
             <a:extLst>
               <a:ext uri="{FF2B5EF4-FFF2-40B4-BE49-F238E27FC236}">
-                <a16:creationId xmlns:a16="http://schemas.microsoft.com/office/drawing/2014/main" id="{87B375C3-5BFB-3CD0-2848-014D77E146E4}"/>
+                <a16:creationId xmlns:a16="http://schemas.microsoft.com/office/drawing/2014/main" id="{16C9ADCD-47B9-84D1-6EDC-6A553DCA0DB3}"/>
               </a:ext>
             </a:extLst>
           </p:cNvPr>
@@ -990,7 +990,7 @@
           <p:cNvPr id="3" name="文本占位符 2">
             <a:extLst>
               <a:ext uri="{FF2B5EF4-FFF2-40B4-BE49-F238E27FC236}">
-                <a16:creationId xmlns:a16="http://schemas.microsoft.com/office/drawing/2014/main" id="{4E0557A0-9AF5-2D2D-77A6-A49BBFB53B85}"/>
+                <a16:creationId xmlns:a16="http://schemas.microsoft.com/office/drawing/2014/main" id="{D8469ADF-BAF1-88D6-2749-39AE2B63162E}"/>
               </a:ext>
             </a:extLst>
           </p:cNvPr>
@@ -1115,7 +1115,7 @@
           <p:cNvPr id="4" name="日期占位符 3">
             <a:extLst>
               <a:ext uri="{FF2B5EF4-FFF2-40B4-BE49-F238E27FC236}">
-                <a16:creationId xmlns:a16="http://schemas.microsoft.com/office/drawing/2014/main" id="{018C13F1-59F0-FD1F-922F-7FF89A54BA6D}"/>
+                <a16:creationId xmlns:a16="http://schemas.microsoft.com/office/drawing/2014/main" id="{64C8AA89-517B-C11C-BFFE-A3986B4F98B6}"/>
               </a:ext>
             </a:extLst>
           </p:cNvPr>
@@ -1131,7 +1131,7 @@
           <a:bodyPr/>
           <a:lstStyle/>
           <a:p>
-            <a:fld id="{D86DA02B-3E6D-45FA-B548-4AC798137B5B}" type="datetimeFigureOut">
+            <a:fld id="{AA10F524-0F1B-4C35-BBDD-BBB715296BCF}" type="datetimeFigureOut">
               <a:rPr lang="zh-CN" altLang="en-US" smtClean="0"/>
               <a:t>2024/3/10</a:t>
             </a:fld>
@@ -1144,7 +1144,7 @@
           <p:cNvPr id="5" name="页脚占位符 4">
             <a:extLst>
               <a:ext uri="{FF2B5EF4-FFF2-40B4-BE49-F238E27FC236}">
-                <a16:creationId xmlns:a16="http://schemas.microsoft.com/office/drawing/2014/main" id="{8313CCBB-A4D1-A838-AD6D-F1B818F8F63E}"/>
+                <a16:creationId xmlns:a16="http://schemas.microsoft.com/office/drawing/2014/main" id="{117A3175-6C75-72DC-5E7B-6AB0C557BB42}"/>
               </a:ext>
             </a:extLst>
           </p:cNvPr>
@@ -1169,7 +1169,7 @@
           <p:cNvPr id="6" name="灯片编号占位符 5">
             <a:extLst>
               <a:ext uri="{FF2B5EF4-FFF2-40B4-BE49-F238E27FC236}">
-                <a16:creationId xmlns:a16="http://schemas.microsoft.com/office/drawing/2014/main" id="{02894F09-673A-6A4D-CE64-104CC0EBC7E5}"/>
+                <a16:creationId xmlns:a16="http://schemas.microsoft.com/office/drawing/2014/main" id="{2680F410-47FD-8562-03B7-2E9CB553A2B6}"/>
               </a:ext>
             </a:extLst>
           </p:cNvPr>
@@ -1185,7 +1185,7 @@
           <a:bodyPr/>
           <a:lstStyle/>
           <a:p>
-            <a:fld id="{F629E66B-0B5F-4BB8-9780-5793A65BD94B}" type="slidenum">
+            <a:fld id="{947801F6-E625-4005-BB54-00FDB2338582}" type="slidenum">
               <a:rPr lang="zh-CN" altLang="en-US" smtClean="0"/>
               <a:t>‹#›</a:t>
             </a:fld>
@@ -1196,7 +1196,7 @@
     </p:spTree>
     <p:extLst>
       <p:ext uri="{BB962C8B-B14F-4D97-AF65-F5344CB8AC3E}">
-        <p14:creationId xmlns:p14="http://schemas.microsoft.com/office/powerpoint/2010/main" val="2826625347"/>
+        <p14:creationId xmlns:p14="http://schemas.microsoft.com/office/powerpoint/2010/main" val="2252728486"/>
       </p:ext>
     </p:extLst>
   </p:cSld>
@@ -1228,7 +1228,7 @@
           <p:cNvPr id="2" name="标题 1">
             <a:extLst>
               <a:ext uri="{FF2B5EF4-FFF2-40B4-BE49-F238E27FC236}">
-                <a16:creationId xmlns:a16="http://schemas.microsoft.com/office/drawing/2014/main" id="{941F0CA8-E82B-52AE-827D-F0FE63E7D34E}"/>
+                <a16:creationId xmlns:a16="http://schemas.microsoft.com/office/drawing/2014/main" id="{707C5250-E4B0-5298-7D52-052A514348F3}"/>
               </a:ext>
             </a:extLst>
           </p:cNvPr>
@@ -1256,7 +1256,7 @@
           <p:cNvPr id="3" name="内容占位符 2">
             <a:extLst>
               <a:ext uri="{FF2B5EF4-FFF2-40B4-BE49-F238E27FC236}">
-                <a16:creationId xmlns:a16="http://schemas.microsoft.com/office/drawing/2014/main" id="{A092EDE3-5367-9E40-D8AF-DCC8FAAD8F09}"/>
+                <a16:creationId xmlns:a16="http://schemas.microsoft.com/office/drawing/2014/main" id="{2EF0C69F-4EA1-B255-4247-FD438BD92B15}"/>
               </a:ext>
             </a:extLst>
           </p:cNvPr>
@@ -1318,7 +1318,7 @@
           <p:cNvPr id="4" name="内容占位符 3">
             <a:extLst>
               <a:ext uri="{FF2B5EF4-FFF2-40B4-BE49-F238E27FC236}">
-                <a16:creationId xmlns:a16="http://schemas.microsoft.com/office/drawing/2014/main" id="{3474ED5E-B512-254A-1DA5-E123322EF5CB}"/>
+                <a16:creationId xmlns:a16="http://schemas.microsoft.com/office/drawing/2014/main" id="{F0354A89-2673-A99B-90B9-8ADC31464E83}"/>
               </a:ext>
             </a:extLst>
           </p:cNvPr>
@@ -1380,7 +1380,7 @@
           <p:cNvPr id="5" name="日期占位符 4">
             <a:extLst>
               <a:ext uri="{FF2B5EF4-FFF2-40B4-BE49-F238E27FC236}">
-                <a16:creationId xmlns:a16="http://schemas.microsoft.com/office/drawing/2014/main" id="{A1D73A63-AEBE-DE25-08BF-B071E8E9489C}"/>
+                <a16:creationId xmlns:a16="http://schemas.microsoft.com/office/drawing/2014/main" id="{F085131B-0BE9-0EB6-FE69-462C84F85387}"/>
               </a:ext>
             </a:extLst>
           </p:cNvPr>
@@ -1396,7 +1396,7 @@
           <a:bodyPr/>
           <a:lstStyle/>
           <a:p>
-            <a:fld id="{D86DA02B-3E6D-45FA-B548-4AC798137B5B}" type="datetimeFigureOut">
+            <a:fld id="{AA10F524-0F1B-4C35-BBDD-BBB715296BCF}" type="datetimeFigureOut">
               <a:rPr lang="zh-CN" altLang="en-US" smtClean="0"/>
               <a:t>2024/3/10</a:t>
             </a:fld>
@@ -1409,7 +1409,7 @@
           <p:cNvPr id="6" name="页脚占位符 5">
             <a:extLst>
               <a:ext uri="{FF2B5EF4-FFF2-40B4-BE49-F238E27FC236}">
-                <a16:creationId xmlns:a16="http://schemas.microsoft.com/office/drawing/2014/main" id="{C1661FC1-18AB-1046-AC44-20588830C0CE}"/>
+                <a16:creationId xmlns:a16="http://schemas.microsoft.com/office/drawing/2014/main" id="{A069BFB7-EF12-F8A4-3501-8BCB278F7451}"/>
               </a:ext>
             </a:extLst>
           </p:cNvPr>
@@ -1434,7 +1434,7 @@
           <p:cNvPr id="7" name="灯片编号占位符 6">
             <a:extLst>
               <a:ext uri="{FF2B5EF4-FFF2-40B4-BE49-F238E27FC236}">
-                <a16:creationId xmlns:a16="http://schemas.microsoft.com/office/drawing/2014/main" id="{6D1D3241-740E-E255-99C6-D4EE7A24FE5D}"/>
+                <a16:creationId xmlns:a16="http://schemas.microsoft.com/office/drawing/2014/main" id="{F4C29A34-6908-DE26-1513-DC6103DEC84F}"/>
               </a:ext>
             </a:extLst>
           </p:cNvPr>
@@ -1450,7 +1450,7 @@
           <a:bodyPr/>
           <a:lstStyle/>
           <a:p>
-            <a:fld id="{F629E66B-0B5F-4BB8-9780-5793A65BD94B}" type="slidenum">
+            <a:fld id="{947801F6-E625-4005-BB54-00FDB2338582}" type="slidenum">
               <a:rPr lang="zh-CN" altLang="en-US" smtClean="0"/>
               <a:t>‹#›</a:t>
             </a:fld>
@@ -1461,7 +1461,7 @@
     </p:spTree>
     <p:extLst>
       <p:ext uri="{BB962C8B-B14F-4D97-AF65-F5344CB8AC3E}">
-        <p14:creationId xmlns:p14="http://schemas.microsoft.com/office/powerpoint/2010/main" val="3154954651"/>
+        <p14:creationId xmlns:p14="http://schemas.microsoft.com/office/powerpoint/2010/main" val="2066404548"/>
       </p:ext>
     </p:extLst>
   </p:cSld>
@@ -1493,7 +1493,7 @@
           <p:cNvPr id="2" name="标题 1">
             <a:extLst>
               <a:ext uri="{FF2B5EF4-FFF2-40B4-BE49-F238E27FC236}">
-                <a16:creationId xmlns:a16="http://schemas.microsoft.com/office/drawing/2014/main" id="{78933710-0338-21AE-B691-C62A4434B363}"/>
+                <a16:creationId xmlns:a16="http://schemas.microsoft.com/office/drawing/2014/main" id="{03DAE857-C1AF-EAEB-8319-FB2BDD71543B}"/>
               </a:ext>
             </a:extLst>
           </p:cNvPr>
@@ -1526,7 +1526,7 @@
           <p:cNvPr id="3" name="文本占位符 2">
             <a:extLst>
               <a:ext uri="{FF2B5EF4-FFF2-40B4-BE49-F238E27FC236}">
-                <a16:creationId xmlns:a16="http://schemas.microsoft.com/office/drawing/2014/main" id="{33B2276A-1B36-4BA8-3BFB-44F4BD4E7648}"/>
+                <a16:creationId xmlns:a16="http://schemas.microsoft.com/office/drawing/2014/main" id="{40BFC5AA-4E26-7431-2F5D-535B202FE51B}"/>
               </a:ext>
             </a:extLst>
           </p:cNvPr>
@@ -1597,7 +1597,7 @@
           <p:cNvPr id="4" name="内容占位符 3">
             <a:extLst>
               <a:ext uri="{FF2B5EF4-FFF2-40B4-BE49-F238E27FC236}">
-                <a16:creationId xmlns:a16="http://schemas.microsoft.com/office/drawing/2014/main" id="{54CE9A6E-21DB-1623-2D85-EF413B890D2D}"/>
+                <a16:creationId xmlns:a16="http://schemas.microsoft.com/office/drawing/2014/main" id="{7AA671BA-8F2E-7142-8449-9B3DEF85FCCE}"/>
               </a:ext>
             </a:extLst>
           </p:cNvPr>
@@ -1659,7 +1659,7 @@
           <p:cNvPr id="5" name="文本占位符 4">
             <a:extLst>
               <a:ext uri="{FF2B5EF4-FFF2-40B4-BE49-F238E27FC236}">
-                <a16:creationId xmlns:a16="http://schemas.microsoft.com/office/drawing/2014/main" id="{99D85CB0-76B2-1087-955C-ECB4423DEAFE}"/>
+                <a16:creationId xmlns:a16="http://schemas.microsoft.com/office/drawing/2014/main" id="{35266684-4D29-CACD-10DC-C4C8F96F97A6}"/>
               </a:ext>
             </a:extLst>
           </p:cNvPr>
@@ -1730,7 +1730,7 @@
           <p:cNvPr id="6" name="内容占位符 5">
             <a:extLst>
               <a:ext uri="{FF2B5EF4-FFF2-40B4-BE49-F238E27FC236}">
-                <a16:creationId xmlns:a16="http://schemas.microsoft.com/office/drawing/2014/main" id="{9DB8DBEE-AF29-B2F5-D731-B7F803177553}"/>
+                <a16:creationId xmlns:a16="http://schemas.microsoft.com/office/drawing/2014/main" id="{AD430BD5-1286-237D-7A43-D2C31FE6A5EF}"/>
               </a:ext>
             </a:extLst>
           </p:cNvPr>
@@ -1792,7 +1792,7 @@
           <p:cNvPr id="7" name="日期占位符 6">
             <a:extLst>
               <a:ext uri="{FF2B5EF4-FFF2-40B4-BE49-F238E27FC236}">
-                <a16:creationId xmlns:a16="http://schemas.microsoft.com/office/drawing/2014/main" id="{7E07487E-6B36-7A9A-DD38-40A8FA382134}"/>
+                <a16:creationId xmlns:a16="http://schemas.microsoft.com/office/drawing/2014/main" id="{C145D4DF-3B18-8C1D-AF15-E5629C170D88}"/>
               </a:ext>
             </a:extLst>
           </p:cNvPr>
@@ -1808,7 +1808,7 @@
           <a:bodyPr/>
           <a:lstStyle/>
           <a:p>
-            <a:fld id="{D86DA02B-3E6D-45FA-B548-4AC798137B5B}" type="datetimeFigureOut">
+            <a:fld id="{AA10F524-0F1B-4C35-BBDD-BBB715296BCF}" type="datetimeFigureOut">
               <a:rPr lang="zh-CN" altLang="en-US" smtClean="0"/>
               <a:t>2024/3/10</a:t>
             </a:fld>
@@ -1821,7 +1821,7 @@
           <p:cNvPr id="8" name="页脚占位符 7">
             <a:extLst>
               <a:ext uri="{FF2B5EF4-FFF2-40B4-BE49-F238E27FC236}">
-                <a16:creationId xmlns:a16="http://schemas.microsoft.com/office/drawing/2014/main" id="{24A7E89A-9086-795F-409C-736E00F10EB7}"/>
+                <a16:creationId xmlns:a16="http://schemas.microsoft.com/office/drawing/2014/main" id="{B706413F-B738-78E5-19BE-3488937F9780}"/>
               </a:ext>
             </a:extLst>
           </p:cNvPr>
@@ -1846,7 +1846,7 @@
           <p:cNvPr id="9" name="灯片编号占位符 8">
             <a:extLst>
               <a:ext uri="{FF2B5EF4-FFF2-40B4-BE49-F238E27FC236}">
-                <a16:creationId xmlns:a16="http://schemas.microsoft.com/office/drawing/2014/main" id="{15B4304A-F7D9-2AC8-EEB7-40799C91FE44}"/>
+                <a16:creationId xmlns:a16="http://schemas.microsoft.com/office/drawing/2014/main" id="{3722351B-0D92-C81F-9E83-1EC3F5855630}"/>
               </a:ext>
             </a:extLst>
           </p:cNvPr>
@@ -1862,7 +1862,7 @@
           <a:bodyPr/>
           <a:lstStyle/>
           <a:p>
-            <a:fld id="{F629E66B-0B5F-4BB8-9780-5793A65BD94B}" type="slidenum">
+            <a:fld id="{947801F6-E625-4005-BB54-00FDB2338582}" type="slidenum">
               <a:rPr lang="zh-CN" altLang="en-US" smtClean="0"/>
               <a:t>‹#›</a:t>
             </a:fld>
@@ -1873,7 +1873,7 @@
     </p:spTree>
     <p:extLst>
       <p:ext uri="{BB962C8B-B14F-4D97-AF65-F5344CB8AC3E}">
-        <p14:creationId xmlns:p14="http://schemas.microsoft.com/office/powerpoint/2010/main" val="3656691064"/>
+        <p14:creationId xmlns:p14="http://schemas.microsoft.com/office/powerpoint/2010/main" val="2402365059"/>
       </p:ext>
     </p:extLst>
   </p:cSld>
@@ -1905,7 +1905,7 @@
           <p:cNvPr id="2" name="标题 1">
             <a:extLst>
               <a:ext uri="{FF2B5EF4-FFF2-40B4-BE49-F238E27FC236}">
-                <a16:creationId xmlns:a16="http://schemas.microsoft.com/office/drawing/2014/main" id="{A204A2A6-0548-A183-85A4-EDB425622EEE}"/>
+                <a16:creationId xmlns:a16="http://schemas.microsoft.com/office/drawing/2014/main" id="{323059FF-5A3F-CD22-E09A-B9DC0087867C}"/>
               </a:ext>
             </a:extLst>
           </p:cNvPr>
@@ -1933,7 +1933,7 @@
           <p:cNvPr id="3" name="日期占位符 2">
             <a:extLst>
               <a:ext uri="{FF2B5EF4-FFF2-40B4-BE49-F238E27FC236}">
-                <a16:creationId xmlns:a16="http://schemas.microsoft.com/office/drawing/2014/main" id="{563E68E5-7719-906E-F571-6AAD9059176D}"/>
+                <a16:creationId xmlns:a16="http://schemas.microsoft.com/office/drawing/2014/main" id="{01948D41-7E67-A0A2-2983-B4FB72D0F880}"/>
               </a:ext>
             </a:extLst>
           </p:cNvPr>
@@ -1949,7 +1949,7 @@
           <a:bodyPr/>
           <a:lstStyle/>
           <a:p>
-            <a:fld id="{D86DA02B-3E6D-45FA-B548-4AC798137B5B}" type="datetimeFigureOut">
+            <a:fld id="{AA10F524-0F1B-4C35-BBDD-BBB715296BCF}" type="datetimeFigureOut">
               <a:rPr lang="zh-CN" altLang="en-US" smtClean="0"/>
               <a:t>2024/3/10</a:t>
             </a:fld>
@@ -1962,7 +1962,7 @@
           <p:cNvPr id="4" name="页脚占位符 3">
             <a:extLst>
               <a:ext uri="{FF2B5EF4-FFF2-40B4-BE49-F238E27FC236}">
-                <a16:creationId xmlns:a16="http://schemas.microsoft.com/office/drawing/2014/main" id="{2A9F97C8-4C9D-6140-4F4C-5719C4073968}"/>
+                <a16:creationId xmlns:a16="http://schemas.microsoft.com/office/drawing/2014/main" id="{6061E90E-1DBE-7B3D-9BAB-0B4D11CFDDE4}"/>
               </a:ext>
             </a:extLst>
           </p:cNvPr>
@@ -1987,7 +1987,7 @@
           <p:cNvPr id="5" name="灯片编号占位符 4">
             <a:extLst>
               <a:ext uri="{FF2B5EF4-FFF2-40B4-BE49-F238E27FC236}">
-                <a16:creationId xmlns:a16="http://schemas.microsoft.com/office/drawing/2014/main" id="{B844746C-1531-4A71-5087-035CF6DFD8A4}"/>
+                <a16:creationId xmlns:a16="http://schemas.microsoft.com/office/drawing/2014/main" id="{94124346-FA95-14B8-6A44-AC8B0A7F05EF}"/>
               </a:ext>
             </a:extLst>
           </p:cNvPr>
@@ -2003,7 +2003,7 @@
           <a:bodyPr/>
           <a:lstStyle/>
           <a:p>
-            <a:fld id="{F629E66B-0B5F-4BB8-9780-5793A65BD94B}" type="slidenum">
+            <a:fld id="{947801F6-E625-4005-BB54-00FDB2338582}" type="slidenum">
               <a:rPr lang="zh-CN" altLang="en-US" smtClean="0"/>
               <a:t>‹#›</a:t>
             </a:fld>
@@ -2014,7 +2014,7 @@
     </p:spTree>
     <p:extLst>
       <p:ext uri="{BB962C8B-B14F-4D97-AF65-F5344CB8AC3E}">
-        <p14:creationId xmlns:p14="http://schemas.microsoft.com/office/powerpoint/2010/main" val="682500317"/>
+        <p14:creationId xmlns:p14="http://schemas.microsoft.com/office/powerpoint/2010/main" val="194272885"/>
       </p:ext>
     </p:extLst>
   </p:cSld>
@@ -2046,7 +2046,7 @@
           <p:cNvPr id="2" name="日期占位符 1">
             <a:extLst>
               <a:ext uri="{FF2B5EF4-FFF2-40B4-BE49-F238E27FC236}">
-                <a16:creationId xmlns:a16="http://schemas.microsoft.com/office/drawing/2014/main" id="{CB5E0F4A-C23C-2E55-5BB6-2646786F8964}"/>
+                <a16:creationId xmlns:a16="http://schemas.microsoft.com/office/drawing/2014/main" id="{62BC7148-70DE-8E47-731E-C0F6627570A7}"/>
               </a:ext>
             </a:extLst>
           </p:cNvPr>
@@ -2062,7 +2062,7 @@
           <a:bodyPr/>
           <a:lstStyle/>
           <a:p>
-            <a:fld id="{D86DA02B-3E6D-45FA-B548-4AC798137B5B}" type="datetimeFigureOut">
+            <a:fld id="{AA10F524-0F1B-4C35-BBDD-BBB715296BCF}" type="datetimeFigureOut">
               <a:rPr lang="zh-CN" altLang="en-US" smtClean="0"/>
               <a:t>2024/3/10</a:t>
             </a:fld>
@@ -2075,7 +2075,7 @@
           <p:cNvPr id="3" name="页脚占位符 2">
             <a:extLst>
               <a:ext uri="{FF2B5EF4-FFF2-40B4-BE49-F238E27FC236}">
-                <a16:creationId xmlns:a16="http://schemas.microsoft.com/office/drawing/2014/main" id="{95F765F0-A6DC-0DD9-7701-08CB4E7BA872}"/>
+                <a16:creationId xmlns:a16="http://schemas.microsoft.com/office/drawing/2014/main" id="{524443D4-E4DF-036E-395E-B62E9FE60F24}"/>
               </a:ext>
             </a:extLst>
           </p:cNvPr>
@@ -2100,7 +2100,7 @@
           <p:cNvPr id="4" name="灯片编号占位符 3">
             <a:extLst>
               <a:ext uri="{FF2B5EF4-FFF2-40B4-BE49-F238E27FC236}">
-                <a16:creationId xmlns:a16="http://schemas.microsoft.com/office/drawing/2014/main" id="{9948E20E-B605-9426-1F18-450A1464911E}"/>
+                <a16:creationId xmlns:a16="http://schemas.microsoft.com/office/drawing/2014/main" id="{041779DC-1D3D-E180-EB27-D726E17D74FE}"/>
               </a:ext>
             </a:extLst>
           </p:cNvPr>
@@ -2116,7 +2116,7 @@
           <a:bodyPr/>
           <a:lstStyle/>
           <a:p>
-            <a:fld id="{F629E66B-0B5F-4BB8-9780-5793A65BD94B}" type="slidenum">
+            <a:fld id="{947801F6-E625-4005-BB54-00FDB2338582}" type="slidenum">
               <a:rPr lang="zh-CN" altLang="en-US" smtClean="0"/>
               <a:t>‹#›</a:t>
             </a:fld>
@@ -2127,7 +2127,7 @@
     </p:spTree>
     <p:extLst>
       <p:ext uri="{BB962C8B-B14F-4D97-AF65-F5344CB8AC3E}">
-        <p14:creationId xmlns:p14="http://schemas.microsoft.com/office/powerpoint/2010/main" val="3817666785"/>
+        <p14:creationId xmlns:p14="http://schemas.microsoft.com/office/powerpoint/2010/main" val="2134651731"/>
       </p:ext>
     </p:extLst>
   </p:cSld>
@@ -2159,7 +2159,7 @@
           <p:cNvPr id="2" name="标题 1">
             <a:extLst>
               <a:ext uri="{FF2B5EF4-FFF2-40B4-BE49-F238E27FC236}">
-                <a16:creationId xmlns:a16="http://schemas.microsoft.com/office/drawing/2014/main" id="{85A302FD-6794-DD54-F0B1-26189A52D3AA}"/>
+                <a16:creationId xmlns:a16="http://schemas.microsoft.com/office/drawing/2014/main" id="{A1D95087-B5D8-A156-4D9B-A890578AE185}"/>
               </a:ext>
             </a:extLst>
           </p:cNvPr>
@@ -2196,7 +2196,7 @@
           <p:cNvPr id="3" name="内容占位符 2">
             <a:extLst>
               <a:ext uri="{FF2B5EF4-FFF2-40B4-BE49-F238E27FC236}">
-                <a16:creationId xmlns:a16="http://schemas.microsoft.com/office/drawing/2014/main" id="{52B1215C-7857-AB17-7FEB-E3C63E0203EC}"/>
+                <a16:creationId xmlns:a16="http://schemas.microsoft.com/office/drawing/2014/main" id="{0CF29D88-F4CE-9313-E2CE-960D55732C76}"/>
               </a:ext>
             </a:extLst>
           </p:cNvPr>
@@ -2286,7 +2286,7 @@
           <p:cNvPr id="4" name="文本占位符 3">
             <a:extLst>
               <a:ext uri="{FF2B5EF4-FFF2-40B4-BE49-F238E27FC236}">
-                <a16:creationId xmlns:a16="http://schemas.microsoft.com/office/drawing/2014/main" id="{BA195F59-BFD5-1F78-7376-76CDCDF0A8E8}"/>
+                <a16:creationId xmlns:a16="http://schemas.microsoft.com/office/drawing/2014/main" id="{2EDA7CB6-D5EF-FB02-3885-4B4464BE7B1B}"/>
               </a:ext>
             </a:extLst>
           </p:cNvPr>
@@ -2357,7 +2357,7 @@
           <p:cNvPr id="5" name="日期占位符 4">
             <a:extLst>
               <a:ext uri="{FF2B5EF4-FFF2-40B4-BE49-F238E27FC236}">
-                <a16:creationId xmlns:a16="http://schemas.microsoft.com/office/drawing/2014/main" id="{841FA0D3-502D-D0A1-C1D1-9D635DA7C9C1}"/>
+                <a16:creationId xmlns:a16="http://schemas.microsoft.com/office/drawing/2014/main" id="{055D1C70-001D-2E21-0B82-5A5F87DE2B33}"/>
               </a:ext>
             </a:extLst>
           </p:cNvPr>
@@ -2373,7 +2373,7 @@
           <a:bodyPr/>
           <a:lstStyle/>
           <a:p>
-            <a:fld id="{D86DA02B-3E6D-45FA-B548-4AC798137B5B}" type="datetimeFigureOut">
+            <a:fld id="{AA10F524-0F1B-4C35-BBDD-BBB715296BCF}" type="datetimeFigureOut">
               <a:rPr lang="zh-CN" altLang="en-US" smtClean="0"/>
               <a:t>2024/3/10</a:t>
             </a:fld>
@@ -2386,7 +2386,7 @@
           <p:cNvPr id="6" name="页脚占位符 5">
             <a:extLst>
               <a:ext uri="{FF2B5EF4-FFF2-40B4-BE49-F238E27FC236}">
-                <a16:creationId xmlns:a16="http://schemas.microsoft.com/office/drawing/2014/main" id="{89866DDF-66D2-E2A8-A5B5-BE7581AF539D}"/>
+                <a16:creationId xmlns:a16="http://schemas.microsoft.com/office/drawing/2014/main" id="{AC58F6A9-693A-8EC0-007D-A66329BC8773}"/>
               </a:ext>
             </a:extLst>
           </p:cNvPr>
@@ -2411,7 +2411,7 @@
           <p:cNvPr id="7" name="灯片编号占位符 6">
             <a:extLst>
               <a:ext uri="{FF2B5EF4-FFF2-40B4-BE49-F238E27FC236}">
-                <a16:creationId xmlns:a16="http://schemas.microsoft.com/office/drawing/2014/main" id="{829F95EA-E037-6A15-5C7B-241F803570BB}"/>
+                <a16:creationId xmlns:a16="http://schemas.microsoft.com/office/drawing/2014/main" id="{807BB15C-944C-9AAD-8850-7D54C46CFF28}"/>
               </a:ext>
             </a:extLst>
           </p:cNvPr>
@@ -2427,7 +2427,7 @@
           <a:bodyPr/>
           <a:lstStyle/>
           <a:p>
-            <a:fld id="{F629E66B-0B5F-4BB8-9780-5793A65BD94B}" type="slidenum">
+            <a:fld id="{947801F6-E625-4005-BB54-00FDB2338582}" type="slidenum">
               <a:rPr lang="zh-CN" altLang="en-US" smtClean="0"/>
               <a:t>‹#›</a:t>
             </a:fld>
@@ -2438,7 +2438,7 @@
     </p:spTree>
     <p:extLst>
       <p:ext uri="{BB962C8B-B14F-4D97-AF65-F5344CB8AC3E}">
-        <p14:creationId xmlns:p14="http://schemas.microsoft.com/office/powerpoint/2010/main" val="580497858"/>
+        <p14:creationId xmlns:p14="http://schemas.microsoft.com/office/powerpoint/2010/main" val="2940171929"/>
       </p:ext>
     </p:extLst>
   </p:cSld>
@@ -2470,7 +2470,7 @@
           <p:cNvPr id="2" name="标题 1">
             <a:extLst>
               <a:ext uri="{FF2B5EF4-FFF2-40B4-BE49-F238E27FC236}">
-                <a16:creationId xmlns:a16="http://schemas.microsoft.com/office/drawing/2014/main" id="{421E2DAC-1C06-966C-F509-FDE8F0941FAE}"/>
+                <a16:creationId xmlns:a16="http://schemas.microsoft.com/office/drawing/2014/main" id="{3D6A9411-3560-B1D4-F625-460FD94E27C0}"/>
               </a:ext>
             </a:extLst>
           </p:cNvPr>
@@ -2507,7 +2507,7 @@
           <p:cNvPr id="3" name="图片占位符 2">
             <a:extLst>
               <a:ext uri="{FF2B5EF4-FFF2-40B4-BE49-F238E27FC236}">
-                <a16:creationId xmlns:a16="http://schemas.microsoft.com/office/drawing/2014/main" id="{9543BAFC-912E-7C31-97A2-D9406095BB6D}"/>
+                <a16:creationId xmlns:a16="http://schemas.microsoft.com/office/drawing/2014/main" id="{913071CC-F366-7ED2-FFD3-46C291776795}"/>
               </a:ext>
             </a:extLst>
           </p:cNvPr>
@@ -2574,7 +2574,7 @@
           <p:cNvPr id="4" name="文本占位符 3">
             <a:extLst>
               <a:ext uri="{FF2B5EF4-FFF2-40B4-BE49-F238E27FC236}">
-                <a16:creationId xmlns:a16="http://schemas.microsoft.com/office/drawing/2014/main" id="{4B1AAB48-1F25-B844-C823-81A14CDE86C3}"/>
+                <a16:creationId xmlns:a16="http://schemas.microsoft.com/office/drawing/2014/main" id="{C489714D-DF02-3EA5-A041-23693BD816FE}"/>
               </a:ext>
             </a:extLst>
           </p:cNvPr>
@@ -2645,7 +2645,7 @@
           <p:cNvPr id="5" name="日期占位符 4">
             <a:extLst>
               <a:ext uri="{FF2B5EF4-FFF2-40B4-BE49-F238E27FC236}">
-                <a16:creationId xmlns:a16="http://schemas.microsoft.com/office/drawing/2014/main" id="{9864E415-9F62-240D-D5BD-EF5D672895A4}"/>
+                <a16:creationId xmlns:a16="http://schemas.microsoft.com/office/drawing/2014/main" id="{86852062-DF02-3A43-3F5A-F7E98B76A639}"/>
               </a:ext>
             </a:extLst>
           </p:cNvPr>
@@ -2661,7 +2661,7 @@
           <a:bodyPr/>
           <a:lstStyle/>
           <a:p>
-            <a:fld id="{D86DA02B-3E6D-45FA-B548-4AC798137B5B}" type="datetimeFigureOut">
+            <a:fld id="{AA10F524-0F1B-4C35-BBDD-BBB715296BCF}" type="datetimeFigureOut">
               <a:rPr lang="zh-CN" altLang="en-US" smtClean="0"/>
               <a:t>2024/3/10</a:t>
             </a:fld>
@@ -2674,7 +2674,7 @@
           <p:cNvPr id="6" name="页脚占位符 5">
             <a:extLst>
               <a:ext uri="{FF2B5EF4-FFF2-40B4-BE49-F238E27FC236}">
-                <a16:creationId xmlns:a16="http://schemas.microsoft.com/office/drawing/2014/main" id="{EB33A854-BCFB-A2A5-37B6-8585077DB101}"/>
+                <a16:creationId xmlns:a16="http://schemas.microsoft.com/office/drawing/2014/main" id="{0F936F1D-751A-F856-C249-7DFBB6B1AB73}"/>
               </a:ext>
             </a:extLst>
           </p:cNvPr>
@@ -2699,7 +2699,7 @@
           <p:cNvPr id="7" name="灯片编号占位符 6">
             <a:extLst>
               <a:ext uri="{FF2B5EF4-FFF2-40B4-BE49-F238E27FC236}">
-                <a16:creationId xmlns:a16="http://schemas.microsoft.com/office/drawing/2014/main" id="{B0508C31-289C-DF58-E3FD-51D0782F39E8}"/>
+                <a16:creationId xmlns:a16="http://schemas.microsoft.com/office/drawing/2014/main" id="{862F9C34-ED3D-970D-460E-217BC7C2A1B4}"/>
               </a:ext>
             </a:extLst>
           </p:cNvPr>
@@ -2715,7 +2715,7 @@
           <a:bodyPr/>
           <a:lstStyle/>
           <a:p>
-            <a:fld id="{F629E66B-0B5F-4BB8-9780-5793A65BD94B}" type="slidenum">
+            <a:fld id="{947801F6-E625-4005-BB54-00FDB2338582}" type="slidenum">
               <a:rPr lang="zh-CN" altLang="en-US" smtClean="0"/>
               <a:t>‹#›</a:t>
             </a:fld>
@@ -2726,7 +2726,7 @@
     </p:spTree>
     <p:extLst>
       <p:ext uri="{BB962C8B-B14F-4D97-AF65-F5344CB8AC3E}">
-        <p14:creationId xmlns:p14="http://schemas.microsoft.com/office/powerpoint/2010/main" val="2923556276"/>
+        <p14:creationId xmlns:p14="http://schemas.microsoft.com/office/powerpoint/2010/main" val="767211660"/>
       </p:ext>
     </p:extLst>
   </p:cSld>
@@ -2763,7 +2763,7 @@
           <p:cNvPr id="2" name="标题占位符 1">
             <a:extLst>
               <a:ext uri="{FF2B5EF4-FFF2-40B4-BE49-F238E27FC236}">
-                <a16:creationId xmlns:a16="http://schemas.microsoft.com/office/drawing/2014/main" id="{D05EE89F-FD30-25CA-1649-5B553CB05165}"/>
+                <a16:creationId xmlns:a16="http://schemas.microsoft.com/office/drawing/2014/main" id="{30243315-39B1-F927-9836-8C69C4856AB1}"/>
               </a:ext>
             </a:extLst>
           </p:cNvPr>
@@ -2801,7 +2801,7 @@
           <p:cNvPr id="3" name="文本占位符 2">
             <a:extLst>
               <a:ext uri="{FF2B5EF4-FFF2-40B4-BE49-F238E27FC236}">
-                <a16:creationId xmlns:a16="http://schemas.microsoft.com/office/drawing/2014/main" id="{3729CAAB-2DD0-1466-5C5F-25094001C04C}"/>
+                <a16:creationId xmlns:a16="http://schemas.microsoft.com/office/drawing/2014/main" id="{527EC547-9357-1BCB-2AC7-88230A961E32}"/>
               </a:ext>
             </a:extLst>
           </p:cNvPr>
@@ -2868,7 +2868,7 @@
           <p:cNvPr id="4" name="日期占位符 3">
             <a:extLst>
               <a:ext uri="{FF2B5EF4-FFF2-40B4-BE49-F238E27FC236}">
-                <a16:creationId xmlns:a16="http://schemas.microsoft.com/office/drawing/2014/main" id="{CBE083FA-10A4-DE3E-6022-74951CEAE0E5}"/>
+                <a16:creationId xmlns:a16="http://schemas.microsoft.com/office/drawing/2014/main" id="{EF00F066-C15F-AB54-82D0-4FB56C39862D}"/>
               </a:ext>
             </a:extLst>
           </p:cNvPr>
@@ -2902,7 +2902,7 @@
             </a:lvl1pPr>
           </a:lstStyle>
           <a:p>
-            <a:fld id="{D86DA02B-3E6D-45FA-B548-4AC798137B5B}" type="datetimeFigureOut">
+            <a:fld id="{AA10F524-0F1B-4C35-BBDD-BBB715296BCF}" type="datetimeFigureOut">
               <a:rPr lang="zh-CN" altLang="en-US" smtClean="0"/>
               <a:t>2024/3/10</a:t>
             </a:fld>
@@ -2915,7 +2915,7 @@
           <p:cNvPr id="5" name="页脚占位符 4">
             <a:extLst>
               <a:ext uri="{FF2B5EF4-FFF2-40B4-BE49-F238E27FC236}">
-                <a16:creationId xmlns:a16="http://schemas.microsoft.com/office/drawing/2014/main" id="{4ED3AB24-8024-936B-A9C4-6886BAFDC014}"/>
+                <a16:creationId xmlns:a16="http://schemas.microsoft.com/office/drawing/2014/main" id="{7CF192E2-DE39-312E-2826-A494FC2853B7}"/>
               </a:ext>
             </a:extLst>
           </p:cNvPr>
@@ -2958,7 +2958,7 @@
           <p:cNvPr id="6" name="灯片编号占位符 5">
             <a:extLst>
               <a:ext uri="{FF2B5EF4-FFF2-40B4-BE49-F238E27FC236}">
-                <a16:creationId xmlns:a16="http://schemas.microsoft.com/office/drawing/2014/main" id="{772FDBBD-6265-ABA2-B0F3-9C58FD25C461}"/>
+                <a16:creationId xmlns:a16="http://schemas.microsoft.com/office/drawing/2014/main" id="{18321AED-2BDC-B31B-28F6-9000C31C3BCC}"/>
               </a:ext>
             </a:extLst>
           </p:cNvPr>
@@ -2992,7 +2992,7 @@
             </a:lvl1pPr>
           </a:lstStyle>
           <a:p>
-            <a:fld id="{F629E66B-0B5F-4BB8-9780-5793A65BD94B}" type="slidenum">
+            <a:fld id="{947801F6-E625-4005-BB54-00FDB2338582}" type="slidenum">
               <a:rPr lang="zh-CN" altLang="en-US" smtClean="0"/>
               <a:t>‹#›</a:t>
             </a:fld>
@@ -3003,7 +3003,7 @@
     </p:spTree>
     <p:extLst>
       <p:ext uri="{BB962C8B-B14F-4D97-AF65-F5344CB8AC3E}">
-        <p14:creationId xmlns:p14="http://schemas.microsoft.com/office/powerpoint/2010/main" val="2165415764"/>
+        <p14:creationId xmlns:p14="http://schemas.microsoft.com/office/powerpoint/2010/main" val="204311996"/>
       </p:ext>
     </p:extLst>
   </p:cSld>
